--- a/04_DB Logical Design__Denormalization/04-03_en_De_and_Post__Normalization.pptx
+++ b/04_DB Logical Design__Denormalization/04-03_en_De_and_Post__Normalization.pptx
@@ -6546,18 +6546,25 @@
               <a:t> in `</a:t>
             </a:r>
             <a:r>
-              <a:rPr lang="ro-RO" sz="3000" dirty="0" err="1">
-                <a:latin typeface="Avenir Medium"/>
-                <a:cs typeface="Avenir Medium"/>
-              </a:rPr>
-              <a:t>readme.txt</a:t>
+              <a:rPr lang="ro-RO" sz="3000" err="1">
+                <a:latin typeface="Avenir Medium"/>
+                <a:cs typeface="Avenir Medium"/>
+              </a:rPr>
+              <a:t>readme</a:t>
+            </a:r>
+            <a:r>
+              <a:rPr lang="ro-RO" sz="3000">
+                <a:latin typeface="Avenir Medium"/>
+                <a:cs typeface="Avenir Medium"/>
+              </a:rPr>
+              <a:t>.md` </a:t>
             </a:r>
             <a:r>
               <a:rPr lang="ro-RO" sz="3000" dirty="0">
                 <a:latin typeface="Avenir Medium"/>
                 <a:cs typeface="Avenir Medium"/>
               </a:rPr>
-              <a:t>` file</a:t>
+              <a:t>file</a:t>
             </a:r>
           </a:p>
         </p:txBody>

--- a/04_DB Logical Design__Denormalization/04-03_en_De_and_Post__Normalization.pptx
+++ b/04_DB Logical Design__Denormalization/04-03_en_De_and_Post__Normalization.pptx
@@ -6546,25 +6546,18 @@
               <a:t> in `</a:t>
             </a:r>
             <a:r>
-              <a:rPr lang="ro-RO" sz="3000" err="1">
-                <a:latin typeface="Avenir Medium"/>
-                <a:cs typeface="Avenir Medium"/>
-              </a:rPr>
-              <a:t>readme</a:t>
-            </a:r>
-            <a:r>
-              <a:rPr lang="ro-RO" sz="3000">
-                <a:latin typeface="Avenir Medium"/>
-                <a:cs typeface="Avenir Medium"/>
-              </a:rPr>
-              <a:t>.md` </a:t>
+              <a:rPr lang="ro-RO" sz="3000" dirty="0" err="1">
+                <a:latin typeface="Avenir Medium"/>
+                <a:cs typeface="Avenir Medium"/>
+              </a:rPr>
+              <a:t>readme.md</a:t>
             </a:r>
             <a:r>
               <a:rPr lang="ro-RO" sz="3000" dirty="0">
                 <a:latin typeface="Avenir Medium"/>
                 <a:cs typeface="Avenir Medium"/>
               </a:rPr>
-              <a:t>file</a:t>
+              <a:t>` file</a:t>
             </a:r>
           </a:p>
         </p:txBody>
@@ -8293,7 +8286,7 @@
         </p:spPr>
         <p:txBody>
           <a:bodyPr>
-            <a:normAutofit fontScale="85000" lnSpcReduction="20000"/>
+            <a:normAutofit fontScale="70000" lnSpcReduction="20000"/>
           </a:bodyPr>
           <a:lstStyle/>
           <a:p>
@@ -8323,6 +8316,75 @@
             </a:endParaRPr>
           </a:p>
           <a:p>
+            <a:r>
+              <a:rPr lang="ro-RO" sz="3000" dirty="0" err="1">
+                <a:latin typeface="Avenir Medium"/>
+                <a:cs typeface="Avenir Medium"/>
+              </a:rPr>
+              <a:t>What</a:t>
+            </a:r>
+            <a:r>
+              <a:rPr lang="ro-RO" sz="3000" dirty="0">
+                <a:latin typeface="Avenir Medium"/>
+                <a:cs typeface="Avenir Medium"/>
+              </a:rPr>
+              <a:t> </a:t>
+            </a:r>
+            <a:r>
+              <a:rPr lang="ro-RO" sz="3000" dirty="0" err="1">
+                <a:latin typeface="Avenir Medium"/>
+                <a:cs typeface="Avenir Medium"/>
+              </a:rPr>
+              <a:t>is</a:t>
+            </a:r>
+            <a:r>
+              <a:rPr lang="ro-RO" sz="3000" dirty="0">
+                <a:latin typeface="Avenir Medium"/>
+                <a:cs typeface="Avenir Medium"/>
+              </a:rPr>
+              <a:t> </a:t>
+            </a:r>
+            <a:r>
+              <a:rPr lang="ro-RO" sz="3000" dirty="0" err="1">
+                <a:latin typeface="Avenir Medium"/>
+                <a:cs typeface="Avenir Medium"/>
+              </a:rPr>
+              <a:t>Database</a:t>
+            </a:r>
+            <a:r>
+              <a:rPr lang="ro-RO" sz="3000" dirty="0">
+                <a:latin typeface="Avenir Medium"/>
+                <a:cs typeface="Avenir Medium"/>
+              </a:rPr>
+              <a:t> </a:t>
+            </a:r>
+            <a:r>
+              <a:rPr lang="ro-RO" sz="3000" dirty="0" err="1">
+                <a:latin typeface="Avenir Medium"/>
+                <a:cs typeface="Avenir Medium"/>
+              </a:rPr>
+              <a:t>Denormalization</a:t>
+            </a:r>
+            <a:r>
+              <a:rPr lang="ro-RO" sz="3000" dirty="0">
+                <a:latin typeface="Avenir Medium"/>
+                <a:cs typeface="Avenir Medium"/>
+              </a:rPr>
+              <a:t> (2021)</a:t>
+            </a:r>
+          </a:p>
+          <a:p>
+            <a:pPr marL="82296" indent="0">
+              <a:buNone/>
+            </a:pPr>
+            <a:r>
+              <a:rPr lang="ro-RO" sz="3000" dirty="0">
+                <a:latin typeface="Avenir Medium"/>
+                <a:cs typeface="Avenir Medium"/>
+                <a:hlinkClick r:id="rId4"/>
+              </a:rPr>
+              <a:t>https://www.youtube.com/watch?v=T3cx09FINuU</a:t>
+            </a:r>
             <a:endParaRPr lang="ro-RO" sz="3000" dirty="0">
               <a:latin typeface="Avenir Medium"/>
               <a:cs typeface="Avenir Medium"/>
@@ -8330,11 +8392,74 @@
           </a:p>
           <a:p>
             <a:r>
+              <a:rPr lang="ro-RO" sz="3000" dirty="0" err="1">
+                <a:latin typeface="Avenir Medium"/>
+                <a:cs typeface="Avenir Medium"/>
+              </a:rPr>
+              <a:t>Database</a:t>
+            </a:r>
+            <a:r>
               <a:rPr lang="ro-RO" sz="3000" dirty="0">
                 <a:latin typeface="Avenir Medium"/>
                 <a:cs typeface="Avenir Medium"/>
               </a:rPr>
-              <a:t>Tutorials - Relational Database Fundamentals 6/5 Denormalization</a:t>
+              <a:t> </a:t>
+            </a:r>
+            <a:r>
+              <a:rPr lang="ro-RO" sz="3000" dirty="0" err="1">
+                <a:latin typeface="Avenir Medium"/>
+                <a:cs typeface="Avenir Medium"/>
+              </a:rPr>
+              <a:t>Normalization</a:t>
+            </a:r>
+            <a:r>
+              <a:rPr lang="ro-RO" sz="3000" dirty="0">
+                <a:latin typeface="Avenir Medium"/>
+                <a:cs typeface="Avenir Medium"/>
+              </a:rPr>
+              <a:t> - </a:t>
+            </a:r>
+            <a:r>
+              <a:rPr lang="ro-RO" sz="3000" dirty="0" err="1">
+                <a:latin typeface="Avenir Medium"/>
+                <a:cs typeface="Avenir Medium"/>
+              </a:rPr>
+              <a:t>Denormalization</a:t>
+            </a:r>
+            <a:r>
+              <a:rPr lang="ro-RO" sz="3000" dirty="0">
+                <a:latin typeface="Avenir Medium"/>
+                <a:cs typeface="Avenir Medium"/>
+              </a:rPr>
+              <a:t> | </a:t>
+            </a:r>
+            <a:r>
+              <a:rPr lang="ro-RO" sz="3000" dirty="0" err="1">
+                <a:latin typeface="Avenir Medium"/>
+                <a:cs typeface="Avenir Medium"/>
+              </a:rPr>
+              <a:t>Database</a:t>
+            </a:r>
+            <a:r>
+              <a:rPr lang="ro-RO" sz="3000" dirty="0">
+                <a:latin typeface="Avenir Medium"/>
+                <a:cs typeface="Avenir Medium"/>
+              </a:rPr>
+              <a:t> </a:t>
+            </a:r>
+            <a:r>
+              <a:rPr lang="ro-RO" sz="3000" dirty="0" err="1">
+                <a:latin typeface="Avenir Medium"/>
+                <a:cs typeface="Avenir Medium"/>
+              </a:rPr>
+              <a:t>Tutorial</a:t>
+            </a:r>
+            <a:r>
+              <a:rPr lang="ro-RO" sz="3000" dirty="0">
+                <a:latin typeface="Avenir Medium"/>
+                <a:cs typeface="Avenir Medium"/>
+              </a:rPr>
+              <a:t> 6o</a:t>
             </a:r>
           </a:p>
           <a:p>
@@ -8345,9 +8470,9 @@
               <a:rPr lang="ro-RO" sz="3000" dirty="0">
                 <a:latin typeface="Avenir Medium"/>
                 <a:cs typeface="Avenir Medium"/>
-                <a:hlinkClick r:id="rId4"/>
-              </a:rPr>
-              <a:t>https://www.youtube.com/watch?v=I1qTmHad8Ts&amp;index=22&amp;list=PLhwiWaeTESev_ikFYJmneK26jYXoqepxR</a:t>
+                <a:hlinkClick r:id="rId5"/>
+              </a:rPr>
+              <a:t>https://www.youtube.com/watch?v=sGJgeO3kpzI</a:t>
             </a:r>
             <a:endParaRPr lang="ro-RO" sz="3000" dirty="0">
               <a:latin typeface="Avenir Medium"/>
@@ -8356,24 +8481,39 @@
           </a:p>
           <a:p>
             <a:r>
+              <a:rPr lang="ro-RO" sz="3000" dirty="0" err="1">
+                <a:latin typeface="Avenir Medium"/>
+                <a:cs typeface="Avenir Medium"/>
+              </a:rPr>
+              <a:t>Road</a:t>
+            </a:r>
+            <a:r>
               <a:rPr lang="ro-RO" sz="3000" dirty="0">
                 <a:latin typeface="Avenir Medium"/>
                 <a:cs typeface="Avenir Medium"/>
               </a:rPr>
-              <a:t>Denormalize All The Things!</a:t>
-            </a:r>
-          </a:p>
-          <a:p>
-            <a:pPr marL="82296" indent="0">
-              <a:buNone/>
-            </a:pPr>
+              <a:t> </a:t>
+            </a:r>
+            <a:r>
+              <a:rPr lang="ro-RO" sz="3000" dirty="0" err="1">
+                <a:latin typeface="Avenir Medium"/>
+                <a:cs typeface="Avenir Medium"/>
+              </a:rPr>
+              <a:t>to</a:t>
+            </a:r>
             <a:r>
               <a:rPr lang="ro-RO" sz="3000" dirty="0">
                 <a:latin typeface="Avenir Medium"/>
                 <a:cs typeface="Avenir Medium"/>
-                <a:hlinkClick r:id="rId5"/>
-              </a:rPr>
-              <a:t>https://www.youtube.com/watch?v=jkzFKLqmE0M</a:t>
+              </a:rPr>
+              <a:t> </a:t>
+            </a:r>
+            <a:r>
+              <a:rPr lang="ro-RO" sz="3000" dirty="0" err="1">
+                <a:latin typeface="Avenir Medium"/>
+                <a:cs typeface="Avenir Medium"/>
+              </a:rPr>
+              <a:t>Denormalization</a:t>
             </a:r>
             <a:endParaRPr lang="ro-RO" sz="3000" dirty="0">
               <a:latin typeface="Avenir Medium"/>
@@ -8381,15 +8521,6 @@
             </a:endParaRPr>
           </a:p>
           <a:p>
-            <a:r>
-              <a:rPr lang="ro-RO" sz="3000" dirty="0">
-                <a:latin typeface="Avenir Medium"/>
-                <a:cs typeface="Avenir Medium"/>
-              </a:rPr>
-              <a:t>Ch 5 Denormalization</a:t>
-            </a:r>
-          </a:p>
-          <a:p>
             <a:pPr marL="82296" indent="0">
               <a:buNone/>
             </a:pPr>
@@ -8398,6 +8529,72 @@
                 <a:latin typeface="Avenir Medium"/>
                 <a:cs typeface="Avenir Medium"/>
                 <a:hlinkClick r:id="rId6"/>
+              </a:rPr>
+              <a:t>https://www.youtube.com/watch?v=sDdoQGSQCEY</a:t>
+            </a:r>
+            <a:endParaRPr lang="ro-RO" sz="3000" dirty="0">
+              <a:latin typeface="Avenir Medium"/>
+              <a:cs typeface="Avenir Medium"/>
+            </a:endParaRPr>
+          </a:p>
+          <a:p>
+            <a:r>
+              <a:rPr lang="ro-RO" sz="3000" dirty="0" err="1">
+                <a:latin typeface="Avenir Medium"/>
+                <a:cs typeface="Avenir Medium"/>
+              </a:rPr>
+              <a:t>Tutorials</a:t>
+            </a:r>
+            <a:r>
+              <a:rPr lang="ro-RO" sz="3000" dirty="0">
+                <a:latin typeface="Avenir Medium"/>
+                <a:cs typeface="Avenir Medium"/>
+              </a:rPr>
+              <a:t> - Relational Database Fundamentals 6/5 Denormalization</a:t>
+            </a:r>
+          </a:p>
+          <a:p>
+            <a:pPr marL="82296" indent="0">
+              <a:buNone/>
+            </a:pPr>
+            <a:r>
+              <a:rPr lang="ro-RO" sz="3000" dirty="0">
+                <a:latin typeface="Avenir Medium"/>
+                <a:cs typeface="Avenir Medium"/>
+                <a:hlinkClick r:id="rId7"/>
+              </a:rPr>
+              <a:t>https://www.youtube.com/watch?v=I1qTmHad8Ts&amp;index=22&amp;list=PLhwiWaeTESev_ikFYJmneK26jYXoqepxR</a:t>
+            </a:r>
+            <a:endParaRPr lang="ro-RO" sz="3000" dirty="0">
+              <a:latin typeface="Avenir Medium"/>
+              <a:cs typeface="Avenir Medium"/>
+            </a:endParaRPr>
+          </a:p>
+          <a:p>
+            <a:r>
+              <a:rPr lang="ro-RO" sz="3000" dirty="0" err="1">
+                <a:latin typeface="Avenir Medium"/>
+                <a:cs typeface="Avenir Medium"/>
+              </a:rPr>
+              <a:t>Ch</a:t>
+            </a:r>
+            <a:r>
+              <a:rPr lang="ro-RO" sz="3000" dirty="0">
+                <a:latin typeface="Avenir Medium"/>
+                <a:cs typeface="Avenir Medium"/>
+              </a:rPr>
+              <a:t> 5 Denormalization</a:t>
+            </a:r>
+          </a:p>
+          <a:p>
+            <a:pPr marL="82296" indent="0">
+              <a:buNone/>
+            </a:pPr>
+            <a:r>
+              <a:rPr lang="ro-RO" sz="3000" dirty="0">
+                <a:latin typeface="Avenir Medium"/>
+                <a:cs typeface="Avenir Medium"/>
+                <a:hlinkClick r:id="rId8"/>
               </a:rPr>
               <a:t>https://www.youtube.com/watch?v=EMhs0VddRJM</a:t>
             </a:r>
